--- a/docs/lectures/slides/Lecture_02_Algorithm_Design.pptx
+++ b/docs/lectures/slides/Lecture_02_Algorithm_Design.pptx
@@ -9822,34 +9822,24 @@
               <a:tabLst/>
             </a:pPr>
             <a:r>
-              <a:rPr lang="en-US" kern="0" dirty="0">
+              <a:rPr lang="en-US" kern="0">
                 <a:solidFill>
                   <a:srgbClr val="000000"/>
                 </a:solidFill>
                 <a:latin typeface="Arial"/>
                 <a:cs typeface="Arial"/>
               </a:rPr>
-              <a:t>Computer </a:t>
-            </a:r>
-            <a:r>
-              <a:rPr lang="en-US" kern="0" dirty="0" err="1">
+              <a:t>Computer Engineering </a:t>
+            </a:r>
+            <a:r>
+              <a:rPr lang="en-US" kern="0" dirty="0">
                 <a:solidFill>
                   <a:srgbClr val="000000"/>
                 </a:solidFill>
                 <a:latin typeface="Arial"/>
                 <a:cs typeface="Arial"/>
               </a:rPr>
-              <a:t>Enginnering</a:t>
-            </a:r>
-            <a:r>
-              <a:rPr lang="en-US" kern="0" dirty="0">
-                <a:solidFill>
-                  <a:srgbClr val="000000"/>
-                </a:solidFill>
-                <a:latin typeface="Arial"/>
-                <a:cs typeface="Arial"/>
-              </a:rPr>
-              <a:t> Department,  </a:t>
+              <a:t>Department,  </a:t>
             </a:r>
             <a:r>
               <a:rPr lang="en-US" kern="0" dirty="0" err="1">
